--- a/presentation.pptx
+++ b/presentation.pptx
@@ -272,8 +272,11 @@
     </a:lvl9pPr>
   </p:defaultTextStyle>
   <p:extLst>
+    <p:ext uri="{EFAFB233-063F-42B5-8137-9DF3F51BA10A}">
+      <p15:sldGuideLst xmlns:p15="http://schemas.microsoft.com/office/powerpoint/2012/main"/>
+    </p:ext>
     <p:ext uri="http://customooxmlschemas.google.com/">
-      <go:slidesCustomData xmlns:go="http://customooxmlschemas.google.com/" xmlns:ahyp="http://schemas.microsoft.com/office/drawing/2018/hyperlinkcolor" xmlns:p15="http://schemas.microsoft.com/office/powerpoint/2012/main" xmlns:p14="http://schemas.microsoft.com/office/powerpoint/2010/main" xmlns:com="http://schemas.openxmlformats.org/drawingml/2006/compatibility" xmlns:pvml="urn:schemas-microsoft-com:office:powerpoint" xmlns:v="urn:schemas-microsoft-com:vml" xmlns:o="urn:schemas-microsoft-com:office:office" xmlns:dgm="http://schemas.openxmlformats.org/drawingml/2006/diagram" xmlns:c="http://schemas.openxmlformats.org/drawingml/2006/chart" xmlns:mv="urn:schemas-microsoft-com:mac:vml" xmlns:mc="http://schemas.openxmlformats.org/markup-compatibility/2006" xmlns="" r:id="rId28" roundtripDataSignature="AMtx7mjHMXh6QQMai5MVH4UU7mI0+VIdXQ=="/>
+      <go:slidesCustomData xmlns="" xmlns:mc="http://schemas.openxmlformats.org/markup-compatibility/2006" xmlns:mv="urn:schemas-microsoft-com:mac:vml" xmlns:c="http://schemas.openxmlformats.org/drawingml/2006/chart" xmlns:dgm="http://schemas.openxmlformats.org/drawingml/2006/diagram" xmlns:o="urn:schemas-microsoft-com:office:office" xmlns:v="urn:schemas-microsoft-com:vml" xmlns:pvml="urn:schemas-microsoft-com:office:powerpoint" xmlns:com="http://schemas.openxmlformats.org/drawingml/2006/compatibility" xmlns:p14="http://schemas.microsoft.com/office/powerpoint/2010/main" xmlns:p15="http://schemas.microsoft.com/office/powerpoint/2012/main" xmlns:ahyp="http://schemas.microsoft.com/office/drawing/2018/hyperlinkcolor" xmlns:go="http://customooxmlschemas.google.com/" r:id="rId28" roundtripDataSignature="AMtx7mjHMXh6QQMai5MVH4UU7mI0+VIdXQ=="/>
     </p:ext>
   </p:extLst>
 </p:presentation>
@@ -2559,8 +2562,8 @@
         </p:nvSpPr>
         <p:spPr>
           <a:xfrm>
-            <a:off x="381300" y="685800"/>
-            <a:ext cx="6096075" cy="3429000"/>
+            <a:off x="381000" y="685800"/>
+            <a:ext cx="6096000" cy="3429000"/>
           </a:xfrm>
           <a:custGeom>
             <a:avLst/>
@@ -13487,9 +13490,9 @@
                   <a:srgbClr val="262626"/>
                 </a:solidFill>
               </a:rPr>
-              <a:t>How ROS works?</a:t>
+              <a:t>How does ROS work?</a:t>
             </a:r>
-            <a:endParaRPr sz="4400">
+            <a:endParaRPr sz="4400" dirty="0">
               <a:solidFill>
                 <a:srgbClr val="262626"/>
               </a:solidFill>
